--- a/Presentation/TempSensorADCIntroPresentation.pptx
+++ b/Presentation/TempSensorADCIntroPresentation.pptx
@@ -346,7 +346,7 @@
               <a:rPr lang="en-US" smtClean="0">
                 <a:uFillTx/>
               </a:rPr>
-              <a:t>1/16/2018</a:t>
+              <a:t>1/16/18</a:t>
             </a:fld>
             <a:endParaRPr lang="en-US">
               <a:uFillTx/>
@@ -6114,6 +6114,12 @@
               </a:rPr>
               <a:t>Temperature Sensor ADC Project</a:t>
             </a:r>
+            <a:r>
+              <a:rPr lang="en-US" dirty="0">
+                <a:uFillTx/>
+              </a:rPr>
+              <a:t/>
+            </a:r>
             <a:br>
               <a:rPr lang="en-US" dirty="0">
                 <a:uFillTx/>
@@ -6581,12 +6587,27 @@
               <a:buChar char="•"/>
             </a:pPr>
             <a:r>
+              <a:rPr lang="en-US" sz="1800" dirty="0" smtClean="0"/>
+              <a:t>Develop EAGLE library  </a:t>
+            </a:r>
+          </a:p>
+          <a:p>
+            <a:pPr marL="285750" indent="-285750">
+              <a:buFont typeface="Arial" panose="020B0604020202020204" pitchFamily="34" charset="0"/>
+              <a:buChar char="•"/>
+            </a:pPr>
+            <a:r>
+              <a:rPr lang="en-US" sz="1800" dirty="0" smtClean="0"/>
+              <a:t>Figuring </a:t>
+            </a:r>
+            <a:r>
               <a:rPr lang="en-US" sz="1800" dirty="0"/>
-              <a:t>Figuring out how to write a library for Arduino.</a:t>
-            </a:r>
-            <a:endParaRPr lang="en-US" sz="1800" dirty="0">
-              <a:uFillTx/>
-            </a:endParaRPr>
+              <a:t>out how to write a library for Arduino</a:t>
+            </a:r>
+            <a:r>
+              <a:rPr lang="en-US" sz="1800" dirty="0" smtClean="0"/>
+              <a:t>.</a:t>
+            </a:r>
           </a:p>
         </p:txBody>
       </p:sp>
@@ -6750,7 +6771,18 @@
             </a:pPr>
             <a:r>
               <a:rPr lang="en-US" sz="1800" dirty="0"/>
-              <a:t>Designed a board in Eagle.</a:t>
+              <a:t>Designed a board in Eagle</a:t>
+            </a:r>
+            <a:r>
+              <a:rPr lang="en-US" sz="1800" dirty="0" smtClean="0"/>
+              <a:t>.</a:t>
+            </a:r>
+          </a:p>
+          <a:p>
+            <a:pPr marL="742950" lvl="1" indent="-285750"/>
+            <a:r>
+              <a:rPr lang="en-US" sz="1800" dirty="0" smtClean="0"/>
+              <a:t>Aimed to make design as compact as possible.</a:t>
             </a:r>
             <a:endParaRPr lang="en-US" sz="1800" dirty="0">
               <a:uFillTx/>
